--- a/4050e046.pptx
+++ b/4050e046.pptx
@@ -17,6 +17,13 @@
     <p:sldId id="260" r:id="rId11"/>
     <p:sldId id="261" r:id="rId12"/>
     <p:sldId id="262" r:id="rId13"/>
+    <p:sldId id="270" r:id="rId14"/>
+    <p:sldId id="268" r:id="rId15"/>
+    <p:sldId id="269" r:id="rId16"/>
+    <p:sldId id="271" r:id="rId17"/>
+    <p:sldId id="272" r:id="rId18"/>
+    <p:sldId id="273" r:id="rId19"/>
+    <p:sldId id="274" r:id="rId20"/>
   </p:sldIdLst>
   <p:sldSz cx="9144000" cy="6858000" type="screen4x3"/>
   <p:notesSz cx="6858000" cy="9144000"/>
@@ -3455,12 +3462,17 @@
             <p:ph idx="1"/>
           </p:nvPr>
         </p:nvSpPr>
-        <p:spPr/>
-        <p:txBody>
-          <a:bodyPr/>
-          <a:lstStyle/>
-          <a:p>
-            <a:endParaRPr lang="zh-TW" altLang="en-US"/>
+        <p:spPr>
+          <a:xfrm>
+            <a:off x="539552" y="116632"/>
+            <a:ext cx="8147248" cy="6009531"/>
+          </a:xfrm>
+        </p:spPr>
+        <p:txBody>
+          <a:bodyPr/>
+          <a:lstStyle/>
+          <a:p>
+            <a:endParaRPr lang="zh-TW" altLang="en-US" dirty="0"/>
           </a:p>
         </p:txBody>
       </p:sp>
@@ -3522,6 +3534,1054 @@
     <p:extLst>
       <p:ext uri="{BB962C8B-B14F-4D97-AF65-F5344CB8AC3E}">
         <p14:creationId xmlns:p14="http://schemas.microsoft.com/office/powerpoint/2010/main" val="2323153237"/>
+      </p:ext>
+    </p:extLst>
+  </p:cSld>
+  <p:clrMapOvr>
+    <a:masterClrMapping/>
+  </p:clrMapOvr>
+</p:sld>
+</file>
+
+<file path=ppt/slides/slide13.xml><?xml version="1.0" encoding="utf-8"?>
+<p:sld xmlns:a="http://schemas.openxmlformats.org/drawingml/2006/main" xmlns:r="http://schemas.openxmlformats.org/officeDocument/2006/relationships" xmlns:p="http://schemas.openxmlformats.org/presentationml/2006/main">
+  <p:cSld>
+    <p:spTree>
+      <p:nvGrpSpPr>
+        <p:cNvPr id="1" name=""/>
+        <p:cNvGrpSpPr/>
+        <p:nvPr/>
+      </p:nvGrpSpPr>
+      <p:grpSpPr>
+        <a:xfrm>
+          <a:off x="0" y="0"/>
+          <a:ext cx="0" cy="0"/>
+          <a:chOff x="0" y="0"/>
+          <a:chExt cx="0" cy="0"/>
+        </a:xfrm>
+      </p:grpSpPr>
+      <p:sp>
+        <p:nvSpPr>
+          <p:cNvPr id="2" name="標題 1"/>
+          <p:cNvSpPr>
+            <a:spLocks noGrp="1"/>
+          </p:cNvSpPr>
+          <p:nvPr>
+            <p:ph type="title"/>
+          </p:nvPr>
+        </p:nvSpPr>
+        <p:spPr/>
+        <p:txBody>
+          <a:bodyPr/>
+          <a:lstStyle/>
+          <a:p>
+            <a:endParaRPr lang="zh-TW" altLang="en-US"/>
+          </a:p>
+        </p:txBody>
+      </p:sp>
+      <p:sp>
+        <p:nvSpPr>
+          <p:cNvPr id="3" name="內容版面配置區 2"/>
+          <p:cNvSpPr>
+            <a:spLocks noGrp="1"/>
+          </p:cNvSpPr>
+          <p:nvPr>
+            <p:ph idx="1"/>
+          </p:nvPr>
+        </p:nvSpPr>
+        <p:spPr/>
+        <p:txBody>
+          <a:bodyPr/>
+          <a:lstStyle/>
+          <a:p>
+            <a:endParaRPr lang="zh-TW" altLang="en-US"/>
+          </a:p>
+        </p:txBody>
+      </p:sp>
+    </p:spTree>
+    <p:extLst>
+      <p:ext uri="{BB962C8B-B14F-4D97-AF65-F5344CB8AC3E}">
+        <p14:creationId xmlns:p14="http://schemas.microsoft.com/office/powerpoint/2010/main" val="2538080682"/>
+      </p:ext>
+    </p:extLst>
+  </p:cSld>
+  <p:clrMapOvr>
+    <a:masterClrMapping/>
+  </p:clrMapOvr>
+</p:sld>
+</file>
+
+<file path=ppt/slides/slide14.xml><?xml version="1.0" encoding="utf-8"?>
+<p:sld xmlns:a="http://schemas.openxmlformats.org/drawingml/2006/main" xmlns:r="http://schemas.openxmlformats.org/officeDocument/2006/relationships" xmlns:p="http://schemas.openxmlformats.org/presentationml/2006/main">
+  <p:cSld>
+    <p:spTree>
+      <p:nvGrpSpPr>
+        <p:cNvPr id="1" name=""/>
+        <p:cNvGrpSpPr/>
+        <p:nvPr/>
+      </p:nvGrpSpPr>
+      <p:grpSpPr>
+        <a:xfrm>
+          <a:off x="0" y="0"/>
+          <a:ext cx="0" cy="0"/>
+          <a:chOff x="0" y="0"/>
+          <a:chExt cx="0" cy="0"/>
+        </a:xfrm>
+      </p:grpSpPr>
+      <p:sp>
+        <p:nvSpPr>
+          <p:cNvPr id="2" name="標題 1"/>
+          <p:cNvSpPr>
+            <a:spLocks noGrp="1"/>
+          </p:cNvSpPr>
+          <p:nvPr>
+            <p:ph type="title"/>
+          </p:nvPr>
+        </p:nvSpPr>
+        <p:spPr/>
+        <p:txBody>
+          <a:bodyPr/>
+          <a:lstStyle/>
+          <a:p>
+            <a:endParaRPr lang="zh-TW" altLang="en-US"/>
+          </a:p>
+        </p:txBody>
+      </p:sp>
+      <p:sp>
+        <p:nvSpPr>
+          <p:cNvPr id="3" name="內容版面配置區 2"/>
+          <p:cNvSpPr>
+            <a:spLocks noGrp="1"/>
+          </p:cNvSpPr>
+          <p:nvPr>
+            <p:ph idx="1"/>
+          </p:nvPr>
+        </p:nvSpPr>
+        <p:spPr/>
+        <p:txBody>
+          <a:bodyPr/>
+          <a:lstStyle/>
+          <a:p>
+            <a:endParaRPr lang="zh-TW" altLang="en-US"/>
+          </a:p>
+        </p:txBody>
+      </p:sp>
+      <p:pic>
+        <p:nvPicPr>
+          <p:cNvPr id="12290" name="Picture 2"/>
+          <p:cNvPicPr>
+            <a:picLocks noChangeAspect="1" noChangeArrowheads="1"/>
+          </p:cNvPicPr>
+          <p:nvPr/>
+        </p:nvPicPr>
+        <p:blipFill>
+          <a:blip r:embed="rId2">
+            <a:extLst>
+              <a:ext uri="{28A0092B-C50C-407E-A947-70E740481C1C}">
+                <a14:useLocalDpi xmlns:a14="http://schemas.microsoft.com/office/drawing/2010/main" val="0"/>
+              </a:ext>
+            </a:extLst>
+          </a:blip>
+          <a:srcRect/>
+          <a:stretch>
+            <a:fillRect/>
+          </a:stretch>
+        </p:blipFill>
+        <p:spPr bwMode="auto">
+          <a:xfrm>
+            <a:off x="0" y="1195389"/>
+            <a:ext cx="8940725" cy="3889796"/>
+          </a:xfrm>
+          <a:prstGeom prst="rect">
+            <a:avLst/>
+          </a:prstGeom>
+          <a:noFill/>
+          <a:ln>
+            <a:noFill/>
+          </a:ln>
+          <a:extLst>
+            <a:ext uri="{909E8E84-426E-40DD-AFC4-6F175D3DCCD1}">
+              <a14:hiddenFill xmlns:a14="http://schemas.microsoft.com/office/drawing/2010/main">
+                <a:solidFill>
+                  <a:schemeClr val="accent1"/>
+                </a:solidFill>
+              </a14:hiddenFill>
+            </a:ext>
+            <a:ext uri="{91240B29-F687-4F45-9708-019B960494DF}">
+              <a14:hiddenLine xmlns:a14="http://schemas.microsoft.com/office/drawing/2010/main" w="9525">
+                <a:solidFill>
+                  <a:schemeClr val="tx1"/>
+                </a:solidFill>
+                <a:miter lim="800000"/>
+                <a:headEnd/>
+                <a:tailEnd/>
+              </a14:hiddenLine>
+            </a:ext>
+          </a:extLst>
+        </p:spPr>
+      </p:pic>
+    </p:spTree>
+    <p:extLst>
+      <p:ext uri="{BB962C8B-B14F-4D97-AF65-F5344CB8AC3E}">
+        <p14:creationId xmlns:p14="http://schemas.microsoft.com/office/powerpoint/2010/main" val="995796071"/>
+      </p:ext>
+    </p:extLst>
+  </p:cSld>
+  <p:clrMapOvr>
+    <a:masterClrMapping/>
+  </p:clrMapOvr>
+</p:sld>
+</file>
+
+<file path=ppt/slides/slide15.xml><?xml version="1.0" encoding="utf-8"?>
+<p:sld xmlns:a="http://schemas.openxmlformats.org/drawingml/2006/main" xmlns:r="http://schemas.openxmlformats.org/officeDocument/2006/relationships" xmlns:p="http://schemas.openxmlformats.org/presentationml/2006/main">
+  <p:cSld>
+    <p:spTree>
+      <p:nvGrpSpPr>
+        <p:cNvPr id="1" name=""/>
+        <p:cNvGrpSpPr/>
+        <p:nvPr/>
+      </p:nvGrpSpPr>
+      <p:grpSpPr>
+        <a:xfrm>
+          <a:off x="0" y="0"/>
+          <a:ext cx="0" cy="0"/>
+          <a:chOff x="0" y="0"/>
+          <a:chExt cx="0" cy="0"/>
+        </a:xfrm>
+      </p:grpSpPr>
+      <p:sp>
+        <p:nvSpPr>
+          <p:cNvPr id="2" name="標題 1"/>
+          <p:cNvSpPr>
+            <a:spLocks noGrp="1"/>
+          </p:cNvSpPr>
+          <p:nvPr>
+            <p:ph type="title"/>
+          </p:nvPr>
+        </p:nvSpPr>
+        <p:spPr/>
+        <p:txBody>
+          <a:bodyPr/>
+          <a:lstStyle/>
+          <a:p>
+            <a:endParaRPr lang="zh-TW" altLang="en-US"/>
+          </a:p>
+        </p:txBody>
+      </p:sp>
+      <p:sp>
+        <p:nvSpPr>
+          <p:cNvPr id="3" name="內容版面配置區 2"/>
+          <p:cNvSpPr>
+            <a:spLocks noGrp="1"/>
+          </p:cNvSpPr>
+          <p:nvPr>
+            <p:ph idx="1"/>
+          </p:nvPr>
+        </p:nvSpPr>
+        <p:spPr/>
+        <p:txBody>
+          <a:bodyPr/>
+          <a:lstStyle/>
+          <a:p>
+            <a:endParaRPr lang="zh-TW" altLang="en-US"/>
+          </a:p>
+        </p:txBody>
+      </p:sp>
+      <p:pic>
+        <p:nvPicPr>
+          <p:cNvPr id="11266" name="Picture 2"/>
+          <p:cNvPicPr>
+            <a:picLocks noChangeAspect="1" noChangeArrowheads="1"/>
+          </p:cNvPicPr>
+          <p:nvPr/>
+        </p:nvPicPr>
+        <p:blipFill>
+          <a:blip r:embed="rId2">
+            <a:extLst>
+              <a:ext uri="{28A0092B-C50C-407E-A947-70E740481C1C}">
+                <a14:useLocalDpi xmlns:a14="http://schemas.microsoft.com/office/drawing/2010/main" val="0"/>
+              </a:ext>
+            </a:extLst>
+          </a:blip>
+          <a:srcRect/>
+          <a:stretch>
+            <a:fillRect/>
+          </a:stretch>
+        </p:blipFill>
+        <p:spPr bwMode="auto">
+          <a:xfrm>
+            <a:off x="0" y="985838"/>
+            <a:ext cx="9286875" cy="4886325"/>
+          </a:xfrm>
+          <a:prstGeom prst="rect">
+            <a:avLst/>
+          </a:prstGeom>
+          <a:noFill/>
+          <a:ln>
+            <a:noFill/>
+          </a:ln>
+          <a:extLst>
+            <a:ext uri="{909E8E84-426E-40DD-AFC4-6F175D3DCCD1}">
+              <a14:hiddenFill xmlns:a14="http://schemas.microsoft.com/office/drawing/2010/main">
+                <a:solidFill>
+                  <a:schemeClr val="accent1"/>
+                </a:solidFill>
+              </a14:hiddenFill>
+            </a:ext>
+            <a:ext uri="{91240B29-F687-4F45-9708-019B960494DF}">
+              <a14:hiddenLine xmlns:a14="http://schemas.microsoft.com/office/drawing/2010/main" w="9525">
+                <a:solidFill>
+                  <a:schemeClr val="tx1"/>
+                </a:solidFill>
+                <a:miter lim="800000"/>
+                <a:headEnd/>
+                <a:tailEnd/>
+              </a14:hiddenLine>
+            </a:ext>
+          </a:extLst>
+        </p:spPr>
+      </p:pic>
+    </p:spTree>
+    <p:extLst>
+      <p:ext uri="{BB962C8B-B14F-4D97-AF65-F5344CB8AC3E}">
+        <p14:creationId xmlns:p14="http://schemas.microsoft.com/office/powerpoint/2010/main" val="1668887129"/>
+      </p:ext>
+    </p:extLst>
+  </p:cSld>
+  <p:clrMapOvr>
+    <a:masterClrMapping/>
+  </p:clrMapOvr>
+</p:sld>
+</file>
+
+<file path=ppt/slides/slide16.xml><?xml version="1.0" encoding="utf-8"?>
+<p:sld xmlns:a="http://schemas.openxmlformats.org/drawingml/2006/main" xmlns:r="http://schemas.openxmlformats.org/officeDocument/2006/relationships" xmlns:p="http://schemas.openxmlformats.org/presentationml/2006/main">
+  <p:cSld>
+    <p:spTree>
+      <p:nvGrpSpPr>
+        <p:cNvPr id="1" name=""/>
+        <p:cNvGrpSpPr/>
+        <p:nvPr/>
+      </p:nvGrpSpPr>
+      <p:grpSpPr>
+        <a:xfrm>
+          <a:off x="0" y="0"/>
+          <a:ext cx="0" cy="0"/>
+          <a:chOff x="0" y="0"/>
+          <a:chExt cx="0" cy="0"/>
+        </a:xfrm>
+      </p:grpSpPr>
+      <p:sp>
+        <p:nvSpPr>
+          <p:cNvPr id="2" name="標題 1"/>
+          <p:cNvSpPr>
+            <a:spLocks noGrp="1"/>
+          </p:cNvSpPr>
+          <p:nvPr>
+            <p:ph type="title"/>
+          </p:nvPr>
+        </p:nvSpPr>
+        <p:spPr/>
+        <p:txBody>
+          <a:bodyPr/>
+          <a:lstStyle/>
+          <a:p>
+            <a:endParaRPr lang="zh-TW" altLang="en-US"/>
+          </a:p>
+        </p:txBody>
+      </p:sp>
+      <p:sp>
+        <p:nvSpPr>
+          <p:cNvPr id="3" name="內容版面配置區 2"/>
+          <p:cNvSpPr>
+            <a:spLocks noGrp="1"/>
+          </p:cNvSpPr>
+          <p:nvPr>
+            <p:ph idx="1"/>
+          </p:nvPr>
+        </p:nvSpPr>
+        <p:spPr/>
+        <p:txBody>
+          <a:bodyPr/>
+          <a:lstStyle/>
+          <a:p>
+            <a:endParaRPr lang="zh-TW" altLang="en-US"/>
+          </a:p>
+        </p:txBody>
+      </p:sp>
+      <p:pic>
+        <p:nvPicPr>
+          <p:cNvPr id="13314" name="Picture 2"/>
+          <p:cNvPicPr>
+            <a:picLocks noChangeAspect="1" noChangeArrowheads="1"/>
+          </p:cNvPicPr>
+          <p:nvPr/>
+        </p:nvPicPr>
+        <p:blipFill>
+          <a:blip r:embed="rId2">
+            <a:extLst>
+              <a:ext uri="{28A0092B-C50C-407E-A947-70E740481C1C}">
+                <a14:useLocalDpi xmlns:a14="http://schemas.microsoft.com/office/drawing/2010/main" val="0"/>
+              </a:ext>
+            </a:extLst>
+          </a:blip>
+          <a:srcRect/>
+          <a:stretch>
+            <a:fillRect/>
+          </a:stretch>
+        </p:blipFill>
+        <p:spPr bwMode="auto">
+          <a:xfrm>
+            <a:off x="323528" y="1124744"/>
+            <a:ext cx="8355661" cy="5047292"/>
+          </a:xfrm>
+          <a:prstGeom prst="rect">
+            <a:avLst/>
+          </a:prstGeom>
+          <a:noFill/>
+          <a:ln>
+            <a:noFill/>
+          </a:ln>
+          <a:extLst>
+            <a:ext uri="{909E8E84-426E-40DD-AFC4-6F175D3DCCD1}">
+              <a14:hiddenFill xmlns:a14="http://schemas.microsoft.com/office/drawing/2010/main">
+                <a:solidFill>
+                  <a:schemeClr val="accent1"/>
+                </a:solidFill>
+              </a14:hiddenFill>
+            </a:ext>
+            <a:ext uri="{91240B29-F687-4F45-9708-019B960494DF}">
+              <a14:hiddenLine xmlns:a14="http://schemas.microsoft.com/office/drawing/2010/main" w="9525">
+                <a:solidFill>
+                  <a:schemeClr val="tx1"/>
+                </a:solidFill>
+                <a:miter lim="800000"/>
+                <a:headEnd/>
+                <a:tailEnd/>
+              </a14:hiddenLine>
+            </a:ext>
+          </a:extLst>
+        </p:spPr>
+      </p:pic>
+    </p:spTree>
+    <p:extLst>
+      <p:ext uri="{BB962C8B-B14F-4D97-AF65-F5344CB8AC3E}">
+        <p14:creationId xmlns:p14="http://schemas.microsoft.com/office/powerpoint/2010/main" val="2518296084"/>
+      </p:ext>
+    </p:extLst>
+  </p:cSld>
+  <p:clrMapOvr>
+    <a:masterClrMapping/>
+  </p:clrMapOvr>
+</p:sld>
+</file>
+
+<file path=ppt/slides/slide17.xml><?xml version="1.0" encoding="utf-8"?>
+<p:sld xmlns:a="http://schemas.openxmlformats.org/drawingml/2006/main" xmlns:r="http://schemas.openxmlformats.org/officeDocument/2006/relationships" xmlns:p="http://schemas.openxmlformats.org/presentationml/2006/main">
+  <p:cSld>
+    <p:spTree>
+      <p:nvGrpSpPr>
+        <p:cNvPr id="1" name=""/>
+        <p:cNvGrpSpPr/>
+        <p:nvPr/>
+      </p:nvGrpSpPr>
+      <p:grpSpPr>
+        <a:xfrm>
+          <a:off x="0" y="0"/>
+          <a:ext cx="0" cy="0"/>
+          <a:chOff x="0" y="0"/>
+          <a:chExt cx="0" cy="0"/>
+        </a:xfrm>
+      </p:grpSpPr>
+      <p:sp>
+        <p:nvSpPr>
+          <p:cNvPr id="2" name="標題 1"/>
+          <p:cNvSpPr>
+            <a:spLocks noGrp="1"/>
+          </p:cNvSpPr>
+          <p:nvPr>
+            <p:ph type="title"/>
+          </p:nvPr>
+        </p:nvSpPr>
+        <p:spPr/>
+        <p:txBody>
+          <a:bodyPr/>
+          <a:lstStyle/>
+          <a:p>
+            <a:endParaRPr lang="zh-TW" altLang="en-US" dirty="0"/>
+          </a:p>
+        </p:txBody>
+      </p:sp>
+      <p:sp>
+        <p:nvSpPr>
+          <p:cNvPr id="3" name="內容版面配置區 2"/>
+          <p:cNvSpPr>
+            <a:spLocks noGrp="1"/>
+          </p:cNvSpPr>
+          <p:nvPr>
+            <p:ph idx="1"/>
+          </p:nvPr>
+        </p:nvSpPr>
+        <p:spPr/>
+        <p:txBody>
+          <a:bodyPr/>
+          <a:lstStyle/>
+          <a:p>
+            <a:endParaRPr lang="zh-TW" altLang="en-US"/>
+          </a:p>
+        </p:txBody>
+      </p:sp>
+      <p:pic>
+        <p:nvPicPr>
+          <p:cNvPr id="14338" name="Picture 2"/>
+          <p:cNvPicPr>
+            <a:picLocks noChangeAspect="1" noChangeArrowheads="1"/>
+          </p:cNvPicPr>
+          <p:nvPr/>
+        </p:nvPicPr>
+        <p:blipFill>
+          <a:blip r:embed="rId2">
+            <a:extLst>
+              <a:ext uri="{28A0092B-C50C-407E-A947-70E740481C1C}">
+                <a14:useLocalDpi xmlns:a14="http://schemas.microsoft.com/office/drawing/2010/main" val="0"/>
+              </a:ext>
+            </a:extLst>
+          </a:blip>
+          <a:srcRect/>
+          <a:stretch>
+            <a:fillRect/>
+          </a:stretch>
+        </p:blipFill>
+        <p:spPr bwMode="auto">
+          <a:xfrm>
+            <a:off x="1" y="1988841"/>
+            <a:ext cx="9144000" cy="4869160"/>
+          </a:xfrm>
+          <a:prstGeom prst="rect">
+            <a:avLst/>
+          </a:prstGeom>
+          <a:noFill/>
+          <a:ln>
+            <a:noFill/>
+          </a:ln>
+          <a:extLst>
+            <a:ext uri="{909E8E84-426E-40DD-AFC4-6F175D3DCCD1}">
+              <a14:hiddenFill xmlns:a14="http://schemas.microsoft.com/office/drawing/2010/main">
+                <a:solidFill>
+                  <a:schemeClr val="accent1"/>
+                </a:solidFill>
+              </a14:hiddenFill>
+            </a:ext>
+            <a:ext uri="{91240B29-F687-4F45-9708-019B960494DF}">
+              <a14:hiddenLine xmlns:a14="http://schemas.microsoft.com/office/drawing/2010/main" w="9525">
+                <a:solidFill>
+                  <a:schemeClr val="tx1"/>
+                </a:solidFill>
+                <a:miter lim="800000"/>
+                <a:headEnd/>
+                <a:tailEnd/>
+              </a14:hiddenLine>
+            </a:ext>
+          </a:extLst>
+        </p:spPr>
+      </p:pic>
+    </p:spTree>
+    <p:extLst>
+      <p:ext uri="{BB962C8B-B14F-4D97-AF65-F5344CB8AC3E}">
+        <p14:creationId xmlns:p14="http://schemas.microsoft.com/office/powerpoint/2010/main" val="2574924809"/>
+      </p:ext>
+    </p:extLst>
+  </p:cSld>
+  <p:clrMapOvr>
+    <a:masterClrMapping/>
+  </p:clrMapOvr>
+</p:sld>
+</file>
+
+<file path=ppt/slides/slide18.xml><?xml version="1.0" encoding="utf-8"?>
+<p:sld xmlns:a="http://schemas.openxmlformats.org/drawingml/2006/main" xmlns:r="http://schemas.openxmlformats.org/officeDocument/2006/relationships" xmlns:p="http://schemas.openxmlformats.org/presentationml/2006/main">
+  <p:cSld>
+    <p:spTree>
+      <p:nvGrpSpPr>
+        <p:cNvPr id="1" name=""/>
+        <p:cNvGrpSpPr/>
+        <p:nvPr/>
+      </p:nvGrpSpPr>
+      <p:grpSpPr>
+        <a:xfrm>
+          <a:off x="0" y="0"/>
+          <a:ext cx="0" cy="0"/>
+          <a:chOff x="0" y="0"/>
+          <a:chExt cx="0" cy="0"/>
+        </a:xfrm>
+      </p:grpSpPr>
+      <p:sp>
+        <p:nvSpPr>
+          <p:cNvPr id="3" name="內容版面配置區 2"/>
+          <p:cNvSpPr>
+            <a:spLocks noGrp="1"/>
+          </p:cNvSpPr>
+          <p:nvPr>
+            <p:ph idx="1"/>
+          </p:nvPr>
+        </p:nvSpPr>
+        <p:spPr>
+          <a:xfrm>
+            <a:off x="457200" y="116632"/>
+            <a:ext cx="8229600" cy="6552728"/>
+          </a:xfrm>
+        </p:spPr>
+        <p:txBody>
+          <a:bodyPr/>
+          <a:lstStyle/>
+          <a:p>
+            <a:r>
+              <a:rPr lang="zh-TW" altLang="en-US" dirty="0"/>
+              <a:t>用</a:t>
+            </a:r>
+            <a:r>
+              <a:rPr lang="en-US" altLang="zh-TW" dirty="0" err="1"/>
+              <a:t>ffmpeg</a:t>
+            </a:r>
+            <a:r>
+              <a:rPr lang="zh-TW" altLang="en-US" dirty="0"/>
+              <a:t>開啟本地</a:t>
+            </a:r>
+            <a:r>
+              <a:rPr lang="zh-TW" altLang="en-US" dirty="0" smtClean="0"/>
+              <a:t>檔案</a:t>
+            </a:r>
+            <a:endParaRPr lang="en-US" altLang="zh-TW" dirty="0" smtClean="0"/>
+          </a:p>
+          <a:p>
+            <a:endParaRPr lang="en-US" altLang="zh-TW" dirty="0"/>
+          </a:p>
+          <a:p>
+            <a:endParaRPr lang="en-US" altLang="zh-TW" dirty="0" smtClean="0"/>
+          </a:p>
+          <a:p>
+            <a:r>
+              <a:rPr lang="zh-TW" altLang="en-US" dirty="0"/>
+              <a:t>用</a:t>
+            </a:r>
+            <a:r>
+              <a:rPr lang="en-US" altLang="zh-TW" dirty="0"/>
+              <a:t>h264</a:t>
+            </a:r>
+            <a:r>
+              <a:rPr lang="zh-TW" altLang="en-US" dirty="0"/>
+              <a:t>邊這個</a:t>
+            </a:r>
+            <a:r>
+              <a:rPr lang="zh-TW" altLang="en-US" dirty="0" smtClean="0"/>
+              <a:t>影片</a:t>
+            </a:r>
+            <a:endParaRPr lang="en-US" altLang="zh-TW" dirty="0" smtClean="0"/>
+          </a:p>
+          <a:p>
+            <a:endParaRPr lang="en-US" altLang="zh-TW" dirty="0"/>
+          </a:p>
+          <a:p>
+            <a:endParaRPr lang="en-US" altLang="zh-TW" dirty="0" smtClean="0"/>
+          </a:p>
+          <a:p>
+            <a:r>
+              <a:rPr lang="zh-TW" altLang="en-US" dirty="0"/>
+              <a:t>檔案大小</a:t>
+            </a:r>
+            <a:r>
+              <a:rPr lang="en-US" altLang="zh-TW" dirty="0"/>
+              <a:t>1M</a:t>
+            </a:r>
+            <a:endParaRPr lang="zh-TW" altLang="en-US" dirty="0"/>
+          </a:p>
+        </p:txBody>
+      </p:sp>
+      <p:pic>
+        <p:nvPicPr>
+          <p:cNvPr id="15362" name="Picture 2"/>
+          <p:cNvPicPr>
+            <a:picLocks noChangeAspect="1" noChangeArrowheads="1"/>
+          </p:cNvPicPr>
+          <p:nvPr/>
+        </p:nvPicPr>
+        <p:blipFill>
+          <a:blip r:embed="rId2">
+            <a:extLst>
+              <a:ext uri="{28A0092B-C50C-407E-A947-70E740481C1C}">
+                <a14:useLocalDpi xmlns:a14="http://schemas.microsoft.com/office/drawing/2010/main" val="0"/>
+              </a:ext>
+            </a:extLst>
+          </a:blip>
+          <a:srcRect/>
+          <a:stretch>
+            <a:fillRect/>
+          </a:stretch>
+        </p:blipFill>
+        <p:spPr bwMode="auto">
+          <a:xfrm>
+            <a:off x="539552" y="764704"/>
+            <a:ext cx="6619875" cy="942975"/>
+          </a:xfrm>
+          <a:prstGeom prst="rect">
+            <a:avLst/>
+          </a:prstGeom>
+          <a:noFill/>
+          <a:ln>
+            <a:noFill/>
+          </a:ln>
+          <a:extLst>
+            <a:ext uri="{909E8E84-426E-40DD-AFC4-6F175D3DCCD1}">
+              <a14:hiddenFill xmlns:a14="http://schemas.microsoft.com/office/drawing/2010/main">
+                <a:solidFill>
+                  <a:schemeClr val="accent1"/>
+                </a:solidFill>
+              </a14:hiddenFill>
+            </a:ext>
+            <a:ext uri="{91240B29-F687-4F45-9708-019B960494DF}">
+              <a14:hiddenLine xmlns:a14="http://schemas.microsoft.com/office/drawing/2010/main" w="9525">
+                <a:solidFill>
+                  <a:schemeClr val="tx1"/>
+                </a:solidFill>
+                <a:miter lim="800000"/>
+                <a:headEnd/>
+                <a:tailEnd/>
+              </a14:hiddenLine>
+            </a:ext>
+          </a:extLst>
+        </p:spPr>
+      </p:pic>
+      <p:pic>
+        <p:nvPicPr>
+          <p:cNvPr id="15363" name="Picture 3"/>
+          <p:cNvPicPr>
+            <a:picLocks noChangeAspect="1" noChangeArrowheads="1"/>
+          </p:cNvPicPr>
+          <p:nvPr/>
+        </p:nvPicPr>
+        <p:blipFill>
+          <a:blip r:embed="rId3">
+            <a:extLst>
+              <a:ext uri="{28A0092B-C50C-407E-A947-70E740481C1C}">
+                <a14:useLocalDpi xmlns:a14="http://schemas.microsoft.com/office/drawing/2010/main" val="0"/>
+              </a:ext>
+            </a:extLst>
+          </a:blip>
+          <a:srcRect/>
+          <a:stretch>
+            <a:fillRect/>
+          </a:stretch>
+        </p:blipFill>
+        <p:spPr bwMode="auto">
+          <a:xfrm>
+            <a:off x="539552" y="2352567"/>
+            <a:ext cx="5457825" cy="1066800"/>
+          </a:xfrm>
+          <a:prstGeom prst="rect">
+            <a:avLst/>
+          </a:prstGeom>
+          <a:noFill/>
+          <a:ln>
+            <a:noFill/>
+          </a:ln>
+          <a:extLst>
+            <a:ext uri="{909E8E84-426E-40DD-AFC4-6F175D3DCCD1}">
+              <a14:hiddenFill xmlns:a14="http://schemas.microsoft.com/office/drawing/2010/main">
+                <a:solidFill>
+                  <a:schemeClr val="accent1"/>
+                </a:solidFill>
+              </a14:hiddenFill>
+            </a:ext>
+            <a:ext uri="{91240B29-F687-4F45-9708-019B960494DF}">
+              <a14:hiddenLine xmlns:a14="http://schemas.microsoft.com/office/drawing/2010/main" w="9525">
+                <a:solidFill>
+                  <a:schemeClr val="tx1"/>
+                </a:solidFill>
+                <a:miter lim="800000"/>
+                <a:headEnd/>
+                <a:tailEnd/>
+              </a14:hiddenLine>
+            </a:ext>
+          </a:extLst>
+        </p:spPr>
+      </p:pic>
+      <p:pic>
+        <p:nvPicPr>
+          <p:cNvPr id="15364" name="Picture 4"/>
+          <p:cNvPicPr>
+            <a:picLocks noChangeAspect="1" noChangeArrowheads="1"/>
+          </p:cNvPicPr>
+          <p:nvPr/>
+        </p:nvPicPr>
+        <p:blipFill>
+          <a:blip r:embed="rId4">
+            <a:extLst>
+              <a:ext uri="{28A0092B-C50C-407E-A947-70E740481C1C}">
+                <a14:useLocalDpi xmlns:a14="http://schemas.microsoft.com/office/drawing/2010/main" val="0"/>
+              </a:ext>
+            </a:extLst>
+          </a:blip>
+          <a:srcRect/>
+          <a:stretch>
+            <a:fillRect/>
+          </a:stretch>
+        </p:blipFill>
+        <p:spPr bwMode="auto">
+          <a:xfrm>
+            <a:off x="539552" y="4221088"/>
+            <a:ext cx="3609975" cy="962025"/>
+          </a:xfrm>
+          <a:prstGeom prst="rect">
+            <a:avLst/>
+          </a:prstGeom>
+          <a:noFill/>
+          <a:ln>
+            <a:noFill/>
+          </a:ln>
+          <a:extLst>
+            <a:ext uri="{909E8E84-426E-40DD-AFC4-6F175D3DCCD1}">
+              <a14:hiddenFill xmlns:a14="http://schemas.microsoft.com/office/drawing/2010/main">
+                <a:solidFill>
+                  <a:schemeClr val="accent1"/>
+                </a:solidFill>
+              </a14:hiddenFill>
+            </a:ext>
+            <a:ext uri="{91240B29-F687-4F45-9708-019B960494DF}">
+              <a14:hiddenLine xmlns:a14="http://schemas.microsoft.com/office/drawing/2010/main" w="9525">
+                <a:solidFill>
+                  <a:schemeClr val="tx1"/>
+                </a:solidFill>
+                <a:miter lim="800000"/>
+                <a:headEnd/>
+                <a:tailEnd/>
+              </a14:hiddenLine>
+            </a:ext>
+          </a:extLst>
+        </p:spPr>
+      </p:pic>
+    </p:spTree>
+    <p:extLst>
+      <p:ext uri="{BB962C8B-B14F-4D97-AF65-F5344CB8AC3E}">
+        <p14:creationId xmlns:p14="http://schemas.microsoft.com/office/powerpoint/2010/main" val="3217219893"/>
+      </p:ext>
+    </p:extLst>
+  </p:cSld>
+  <p:clrMapOvr>
+    <a:masterClrMapping/>
+  </p:clrMapOvr>
+</p:sld>
+</file>
+
+<file path=ppt/slides/slide19.xml><?xml version="1.0" encoding="utf-8"?>
+<p:sld xmlns:a="http://schemas.openxmlformats.org/drawingml/2006/main" xmlns:r="http://schemas.openxmlformats.org/officeDocument/2006/relationships" xmlns:p="http://schemas.openxmlformats.org/presentationml/2006/main">
+  <p:cSld>
+    <p:spTree>
+      <p:nvGrpSpPr>
+        <p:cNvPr id="1" name=""/>
+        <p:cNvGrpSpPr/>
+        <p:nvPr/>
+      </p:nvGrpSpPr>
+      <p:grpSpPr>
+        <a:xfrm>
+          <a:off x="0" y="0"/>
+          <a:ext cx="0" cy="0"/>
+          <a:chOff x="0" y="0"/>
+          <a:chExt cx="0" cy="0"/>
+        </a:xfrm>
+      </p:grpSpPr>
+      <p:sp>
+        <p:nvSpPr>
+          <p:cNvPr id="3" name="內容版面配置區 2"/>
+          <p:cNvSpPr>
+            <a:spLocks noGrp="1"/>
+          </p:cNvSpPr>
+          <p:nvPr>
+            <p:ph idx="1"/>
+          </p:nvPr>
+        </p:nvSpPr>
+        <p:spPr>
+          <a:xfrm>
+            <a:off x="457200" y="188640"/>
+            <a:ext cx="8229600" cy="6408712"/>
+          </a:xfrm>
+        </p:spPr>
+        <p:txBody>
+          <a:bodyPr/>
+          <a:lstStyle/>
+          <a:p>
+            <a:r>
+              <a:rPr lang="zh-TW" altLang="en-US" dirty="0"/>
+              <a:t>音檔用</a:t>
+            </a:r>
+            <a:r>
+              <a:rPr lang="en-US" altLang="zh-TW" dirty="0"/>
+              <a:t>256k</a:t>
+            </a:r>
+            <a:r>
+              <a:rPr lang="zh-TW" altLang="en-US" dirty="0" smtClean="0"/>
+              <a:t>解析</a:t>
+            </a:r>
+            <a:endParaRPr lang="en-US" altLang="zh-TW" dirty="0" smtClean="0"/>
+          </a:p>
+          <a:p>
+            <a:endParaRPr lang="en-US" altLang="zh-TW" dirty="0"/>
+          </a:p>
+          <a:p>
+            <a:endParaRPr lang="en-US" altLang="zh-TW" dirty="0" smtClean="0"/>
+          </a:p>
+          <a:p>
+            <a:endParaRPr lang="en-US" altLang="zh-TW" dirty="0"/>
+          </a:p>
+          <a:p>
+            <a:r>
+              <a:rPr lang="zh-TW" altLang="en-US" dirty="0" smtClean="0"/>
+              <a:t>解析度</a:t>
+            </a:r>
+            <a:r>
+              <a:rPr lang="en-US" altLang="zh-TW" dirty="0" smtClean="0"/>
+              <a:t>720x576 </a:t>
+            </a:r>
+            <a:r>
+              <a:rPr lang="zh-TW" altLang="en-US" dirty="0" smtClean="0"/>
+              <a:t>檔名</a:t>
+            </a:r>
+            <a:r>
+              <a:rPr lang="en-US" altLang="zh-TW" dirty="0" smtClean="0"/>
+              <a:t>3.mp4</a:t>
+            </a:r>
+            <a:r>
+              <a:rPr lang="zh-TW" altLang="en-US" smtClean="0"/>
+              <a:t>做輸出</a:t>
+            </a:r>
+            <a:endParaRPr lang="en-US" altLang="zh-TW" dirty="0" smtClean="0"/>
+          </a:p>
+          <a:p>
+            <a:endParaRPr lang="en-US" altLang="zh-TW" dirty="0"/>
+          </a:p>
+          <a:p>
+            <a:endParaRPr lang="en-US" altLang="zh-TW" dirty="0" smtClean="0"/>
+          </a:p>
+          <a:p>
+            <a:endParaRPr lang="en-US" altLang="zh-TW" dirty="0"/>
+          </a:p>
+          <a:p>
+            <a:endParaRPr lang="zh-TW" altLang="en-US" dirty="0"/>
+          </a:p>
+        </p:txBody>
+      </p:sp>
+      <p:pic>
+        <p:nvPicPr>
+          <p:cNvPr id="16386" name="Picture 2"/>
+          <p:cNvPicPr>
+            <a:picLocks noChangeAspect="1" noChangeArrowheads="1"/>
+          </p:cNvPicPr>
+          <p:nvPr/>
+        </p:nvPicPr>
+        <p:blipFill>
+          <a:blip r:embed="rId2">
+            <a:extLst>
+              <a:ext uri="{28A0092B-C50C-407E-A947-70E740481C1C}">
+                <a14:useLocalDpi xmlns:a14="http://schemas.microsoft.com/office/drawing/2010/main" val="0"/>
+              </a:ext>
+            </a:extLst>
+          </a:blip>
+          <a:srcRect/>
+          <a:stretch>
+            <a:fillRect/>
+          </a:stretch>
+        </p:blipFill>
+        <p:spPr bwMode="auto">
+          <a:xfrm>
+            <a:off x="755576" y="764704"/>
+            <a:ext cx="3672408" cy="1328832"/>
+          </a:xfrm>
+          <a:prstGeom prst="rect">
+            <a:avLst/>
+          </a:prstGeom>
+          <a:noFill/>
+          <a:ln>
+            <a:noFill/>
+          </a:ln>
+          <a:extLst>
+            <a:ext uri="{909E8E84-426E-40DD-AFC4-6F175D3DCCD1}">
+              <a14:hiddenFill xmlns:a14="http://schemas.microsoft.com/office/drawing/2010/main">
+                <a:solidFill>
+                  <a:schemeClr val="accent1"/>
+                </a:solidFill>
+              </a14:hiddenFill>
+            </a:ext>
+            <a:ext uri="{91240B29-F687-4F45-9708-019B960494DF}">
+              <a14:hiddenLine xmlns:a14="http://schemas.microsoft.com/office/drawing/2010/main" w="9525">
+                <a:solidFill>
+                  <a:schemeClr val="tx1"/>
+                </a:solidFill>
+                <a:miter lim="800000"/>
+                <a:headEnd/>
+                <a:tailEnd/>
+              </a14:hiddenLine>
+            </a:ext>
+          </a:extLst>
+        </p:spPr>
+      </p:pic>
+      <p:pic>
+        <p:nvPicPr>
+          <p:cNvPr id="16387" name="Picture 3"/>
+          <p:cNvPicPr>
+            <a:picLocks noChangeAspect="1" noChangeArrowheads="1"/>
+          </p:cNvPicPr>
+          <p:nvPr/>
+        </p:nvPicPr>
+        <p:blipFill>
+          <a:blip r:embed="rId3">
+            <a:extLst>
+              <a:ext uri="{28A0092B-C50C-407E-A947-70E740481C1C}">
+                <a14:useLocalDpi xmlns:a14="http://schemas.microsoft.com/office/drawing/2010/main" val="0"/>
+              </a:ext>
+            </a:extLst>
+          </a:blip>
+          <a:srcRect/>
+          <a:stretch>
+            <a:fillRect/>
+          </a:stretch>
+        </p:blipFill>
+        <p:spPr bwMode="auto">
+          <a:xfrm>
+            <a:off x="775541" y="3065956"/>
+            <a:ext cx="4012483" cy="1011115"/>
+          </a:xfrm>
+          <a:prstGeom prst="rect">
+            <a:avLst/>
+          </a:prstGeom>
+          <a:noFill/>
+          <a:ln>
+            <a:noFill/>
+          </a:ln>
+          <a:extLst>
+            <a:ext uri="{909E8E84-426E-40DD-AFC4-6F175D3DCCD1}">
+              <a14:hiddenFill xmlns:a14="http://schemas.microsoft.com/office/drawing/2010/main">
+                <a:solidFill>
+                  <a:schemeClr val="accent1"/>
+                </a:solidFill>
+              </a14:hiddenFill>
+            </a:ext>
+            <a:ext uri="{91240B29-F687-4F45-9708-019B960494DF}">
+              <a14:hiddenLine xmlns:a14="http://schemas.microsoft.com/office/drawing/2010/main" w="9525">
+                <a:solidFill>
+                  <a:schemeClr val="tx1"/>
+                </a:solidFill>
+                <a:miter lim="800000"/>
+                <a:headEnd/>
+                <a:tailEnd/>
+              </a14:hiddenLine>
+            </a:ext>
+          </a:extLst>
+        </p:spPr>
+      </p:pic>
+    </p:spTree>
+    <p:extLst>
+      <p:ext uri="{BB962C8B-B14F-4D97-AF65-F5344CB8AC3E}">
+        <p14:creationId xmlns:p14="http://schemas.microsoft.com/office/powerpoint/2010/main" val="1509612887"/>
       </p:ext>
     </p:extLst>
   </p:cSld>
